--- a/Python vs. LabVIEW Deep Dive.pptx
+++ b/Python vs. LabVIEW Deep Dive.pptx
@@ -123,6 +123,11 @@
       </a:defRPr>
     </a:lvl9pPr>
   </p:defaultTextStyle>
+  <p:extLst>
+    <p:ext uri="{EFAFB233-063F-42B5-8137-9DF3F51BA10A}">
+      <p15:sldGuideLst xmlns:p15="http://schemas.microsoft.com/office/powerpoint/2012/main"/>
+    </p:ext>
+  </p:extLst>
 </p:presentation>
 </file>
 
@@ -11525,53 +11530,6 @@
               <a:t>‹#›</a:t>
             </a:fld>
             <a:endParaRPr lang="en-US"/>
-          </a:p>
-        </p:txBody>
-      </p:sp>
-      <p:sp>
-        <p:nvSpPr>
-          <p:cNvPr id="7" name="TextBox 6">
-            <a:extLst>
-              <a:ext uri="{FF2B5EF4-FFF2-40B4-BE49-F238E27FC236}">
-                <a16:creationId xmlns:a16="http://schemas.microsoft.com/office/drawing/2014/main" id="{088C269C-8F5F-01D8-2531-BED5C4AE39A1}"/>
-              </a:ext>
-            </a:extLst>
-          </p:cNvPr>
-          <p:cNvSpPr txBox="1"/>
-          <p:nvPr>
-            <p:extLst>
-              <p:ext uri="{1162E1C5-73C7-4A58-AE30-91384D911F3F}">
-                <p184:classification xmlns:p184="http://schemas.microsoft.com/office/powerpoint/2018/4/main" val="ftr"/>
-              </p:ext>
-            </p:extLst>
-          </p:nvPr>
-        </p:nvSpPr>
-        <p:spPr>
-          <a:xfrm>
-            <a:off x="52917" y="6678084"/>
-            <a:ext cx="1292490" cy="128177"/>
-          </a:xfrm>
-          <a:prstGeom prst="rect">
-            <a:avLst/>
-          </a:prstGeom>
-        </p:spPr>
-        <p:txBody>
-          <a:bodyPr horzOverflow="overflow" lIns="0" tIns="0" rIns="0" bIns="0">
-            <a:spAutoFit/>
-          </a:bodyPr>
-          <a:lstStyle/>
-          <a:p>
-            <a:pPr algn="l"/>
-            <a:r>
-              <a:rPr lang="en-US" sz="833">
-                <a:solidFill>
-                  <a:srgbClr val="000000"/>
-                </a:solidFill>
-                <a:latin typeface="Calibri" panose="020F0502020204030204" pitchFamily="34" charset="0"/>
-                <a:cs typeface="Calibri" panose="020F0502020204030204" pitchFamily="34" charset="0"/>
-              </a:rPr>
-              <a:t>INTERNAL - NI CONFIDENTIAL</a:t>
-            </a:r>
           </a:p>
         </p:txBody>
       </p:sp>
